--- a/CNN/C3D/C3D.pptx
+++ b/CNN/C3D/C3D.pptx
@@ -5,10 +5,10 @@
     <p:sldMasterId id="2147483648" r:id="rId1"/>
   </p:sldMasterIdLst>
   <p:notesMasterIdLst>
-    <p:notesMasterId r:id="rId8"/>
+    <p:notesMasterId r:id="rId9"/>
   </p:notesMasterIdLst>
   <p:handoutMasterIdLst>
-    <p:handoutMasterId r:id="rId9"/>
+    <p:handoutMasterId r:id="rId10"/>
   </p:handoutMasterIdLst>
   <p:sldIdLst>
     <p:sldId id="256" r:id="rId3"/>
@@ -16,6 +16,7 @@
     <p:sldId id="258" r:id="rId5"/>
     <p:sldId id="259" r:id="rId6"/>
     <p:sldId id="260" r:id="rId7"/>
+    <p:sldId id="261" r:id="rId8"/>
   </p:sldIdLst>
   <p:sldSz cx="12192000" cy="6858000"/>
   <p:notesSz cx="7103745" cy="10234295"/>
@@ -3982,6 +3983,68 @@
           </a:p>
         </p:txBody>
       </p:sp>
+    </p:spTree>
+  </p:cSld>
+  <p:clrMapOvr>
+    <a:masterClrMapping/>
+  </p:clrMapOvr>
+</p:sld>
+</file>
+
+<file path=ppt/slides/slide6.xml><?xml version="1.0" encoding="utf-8"?>
+<p:sld xmlns:a="http://schemas.openxmlformats.org/drawingml/2006/main" xmlns:r="http://schemas.openxmlformats.org/officeDocument/2006/relationships" xmlns:p="http://schemas.openxmlformats.org/presentationml/2006/main">
+  <p:cSld>
+    <p:spTree>
+      <p:nvGrpSpPr>
+        <p:cNvPr id="1" name=""/>
+        <p:cNvGrpSpPr/>
+        <p:nvPr/>
+      </p:nvGrpSpPr>
+      <p:grpSpPr/>
+      <p:sp>
+        <p:nvSpPr>
+          <p:cNvPr id="2" name="标题 1"/>
+          <p:cNvSpPr>
+            <a:spLocks noGrp="1"/>
+          </p:cNvSpPr>
+          <p:nvPr>
+            <p:ph type="title"/>
+          </p:nvPr>
+        </p:nvSpPr>
+        <p:spPr/>
+        <p:txBody>
+          <a:bodyPr/>
+          <a:p>
+            <a:endParaRPr lang="zh-CN" altLang="en-US"/>
+          </a:p>
+        </p:txBody>
+      </p:sp>
+      <p:pic>
+        <p:nvPicPr>
+          <p:cNvPr id="4" name="内容占位符 3"/>
+          <p:cNvPicPr>
+            <a:picLocks noChangeAspect="1"/>
+          </p:cNvPicPr>
+          <p:nvPr>
+            <p:ph idx="1"/>
+          </p:nvPr>
+        </p:nvPicPr>
+        <p:blipFill>
+          <a:blip r:embed="rId1"/>
+          <a:stretch>
+            <a:fillRect/>
+          </a:stretch>
+        </p:blipFill>
+        <p:spPr>
+          <a:xfrm>
+            <a:off x="647700" y="1805305"/>
+            <a:ext cx="7007225" cy="3950335"/>
+          </a:xfrm>
+          <a:prstGeom prst="rect">
+            <a:avLst/>
+          </a:prstGeom>
+        </p:spPr>
+      </p:pic>
     </p:spTree>
   </p:cSld>
   <p:clrMapOvr>

--- a/CNN/C3D/C3D.pptx
+++ b/CNN/C3D/C3D.pptx
@@ -5,10 +5,10 @@
     <p:sldMasterId id="2147483648" r:id="rId1"/>
   </p:sldMasterIdLst>
   <p:notesMasterIdLst>
-    <p:notesMasterId r:id="rId9"/>
+    <p:notesMasterId r:id="rId16"/>
   </p:notesMasterIdLst>
   <p:handoutMasterIdLst>
-    <p:handoutMasterId r:id="rId10"/>
+    <p:handoutMasterId r:id="rId17"/>
   </p:handoutMasterIdLst>
   <p:sldIdLst>
     <p:sldId id="256" r:id="rId3"/>
@@ -17,6 +17,13 @@
     <p:sldId id="259" r:id="rId6"/>
     <p:sldId id="260" r:id="rId7"/>
     <p:sldId id="261" r:id="rId8"/>
+    <p:sldId id="262" r:id="rId9"/>
+    <p:sldId id="263" r:id="rId10"/>
+    <p:sldId id="268" r:id="rId11"/>
+    <p:sldId id="264" r:id="rId12"/>
+    <p:sldId id="269" r:id="rId13"/>
+    <p:sldId id="265" r:id="rId14"/>
+    <p:sldId id="266" r:id="rId15"/>
   </p:sldIdLst>
   <p:sldSz cx="12192000" cy="6858000"/>
   <p:notesSz cx="7103745" cy="10234295"/>
@@ -3515,7 +3522,7 @@
               <a:t>Learning Spatiotemporal Features with 3D Convolutional Networks</a:t>
             </a:r>
             <a:r>
-              <a:rPr lang="" altLang="zh-CN"/>
+              <a:rPr lang="en-US" altLang="zh-CN"/>
               <a:t>(2015 ICCV)</a:t>
             </a:r>
             <a:endParaRPr lang="zh-CN" altLang="en-US"/>
@@ -3526,25 +3533,25 @@
               <a:rPr lang="en-US" altLang="zh-CN" sz="2800" b="1"/>
               <a:t>作者：</a:t>
             </a:r>
-            <a:endParaRPr lang="" altLang="zh-CN"/>
+            <a:endParaRPr lang="en-US" altLang="zh-CN"/>
           </a:p>
           <a:p>
             <a:pPr algn="l"/>
-            <a:endParaRPr lang="" altLang="zh-CN"/>
+            <a:endParaRPr lang="en-US" altLang="zh-CN"/>
           </a:p>
           <a:p>
             <a:pPr algn="l"/>
-            <a:endParaRPr lang="" altLang="zh-CN"/>
+            <a:endParaRPr lang="en-US" altLang="zh-CN"/>
           </a:p>
           <a:p>
             <a:pPr algn="l"/>
-            <a:endParaRPr lang="" altLang="zh-CN"/>
+            <a:endParaRPr lang="en-US" altLang="zh-CN"/>
           </a:p>
           <a:p>
             <a:pPr marL="0" indent="0" algn="l">
               <a:buNone/>
             </a:pPr>
-            <a:endParaRPr lang="" altLang="zh-CN"/>
+            <a:endParaRPr lang="en-US" altLang="zh-CN"/>
           </a:p>
         </p:txBody>
       </p:sp>
@@ -3580,6 +3587,428 @@
 </p:sld>
 </file>
 
+<file path=ppt/slides/slide10.xml><?xml version="1.0" encoding="utf-8"?>
+<p:sld xmlns:a="http://schemas.openxmlformats.org/drawingml/2006/main" xmlns:r="http://schemas.openxmlformats.org/officeDocument/2006/relationships" xmlns:p="http://schemas.openxmlformats.org/presentationml/2006/main">
+  <p:cSld>
+    <p:spTree>
+      <p:nvGrpSpPr>
+        <p:cNvPr id="1" name=""/>
+        <p:cNvGrpSpPr/>
+        <p:nvPr/>
+      </p:nvGrpSpPr>
+      <p:grpSpPr/>
+      <p:sp>
+        <p:nvSpPr>
+          <p:cNvPr id="2" name="标题 1"/>
+          <p:cNvSpPr>
+            <a:spLocks noGrp="1"/>
+          </p:cNvSpPr>
+          <p:nvPr>
+            <p:ph type="title"/>
+          </p:nvPr>
+        </p:nvSpPr>
+        <p:spPr/>
+        <p:txBody>
+          <a:bodyPr/>
+          <a:p>
+            <a:r>
+              <a:rPr lang="" altLang="zh-CN"/>
+              <a:t>C3D is Compact</a:t>
+            </a:r>
+            <a:endParaRPr lang="" altLang="zh-CN"/>
+          </a:p>
+        </p:txBody>
+      </p:sp>
+      <p:pic>
+        <p:nvPicPr>
+          <p:cNvPr id="4" name="内容占位符 3"/>
+          <p:cNvPicPr>
+            <a:picLocks noChangeAspect="1"/>
+          </p:cNvPicPr>
+          <p:nvPr>
+            <p:ph idx="1"/>
+          </p:nvPr>
+        </p:nvPicPr>
+        <p:blipFill>
+          <a:blip r:embed="rId1"/>
+          <a:stretch>
+            <a:fillRect/>
+          </a:stretch>
+        </p:blipFill>
+        <p:spPr>
+          <a:xfrm>
+            <a:off x="647700" y="1225550"/>
+            <a:ext cx="6784975" cy="4137660"/>
+          </a:xfrm>
+          <a:prstGeom prst="rect">
+            <a:avLst/>
+          </a:prstGeom>
+        </p:spPr>
+      </p:pic>
+      <p:sp>
+        <p:nvSpPr>
+          <p:cNvPr id="5" name="文本框 4"/>
+          <p:cNvSpPr txBox="1"/>
+          <p:nvPr/>
+        </p:nvSpPr>
+        <p:spPr>
+          <a:xfrm>
+            <a:off x="7971155" y="894080"/>
+            <a:ext cx="4094480" cy="3138170"/>
+          </a:xfrm>
+          <a:prstGeom prst="rect">
+            <a:avLst/>
+          </a:prstGeom>
+          <a:noFill/>
+        </p:spPr>
+        <p:txBody>
+          <a:bodyPr wrap="square" rtlCol="0" anchor="t">
+            <a:spAutoFit/>
+          </a:bodyPr>
+          <a:p>
+            <a:r>
+              <a:rPr lang="zh-CN" altLang="en-US"/>
+              <a:t>所谓的C3D描述子，就是C3D网络第一个全连接层输出的特征经过L2归一化后的结果，文章对该描述子的做了实验，表明该描述子有良好的压缩性和泛化性。</a:t>
+            </a:r>
+            <a:endParaRPr lang="zh-CN" altLang="en-US"/>
+          </a:p>
+          <a:p>
+            <a:endParaRPr lang="zh-CN" altLang="en-US"/>
+          </a:p>
+          <a:p>
+            <a:r>
+              <a:rPr lang="zh-CN" altLang="en-US"/>
+              <a:t>作者使用PCA降维的方法对C3D描述子进行了降维，并与Imagenet特征和iDT特征做了比较，实验结果如下图所示。可以发现C3D描述子还是由很好的压缩性的，这对大规模快速视频检索很有帮助。</a:t>
+            </a:r>
+            <a:endParaRPr lang="zh-CN" altLang="en-US"/>
+          </a:p>
+        </p:txBody>
+      </p:sp>
+    </p:spTree>
+  </p:cSld>
+  <p:clrMapOvr>
+    <a:masterClrMapping/>
+  </p:clrMapOvr>
+</p:sld>
+</file>
+
+<file path=ppt/slides/slide11.xml><?xml version="1.0" encoding="utf-8"?>
+<p:sld xmlns:a="http://schemas.openxmlformats.org/drawingml/2006/main" xmlns:r="http://schemas.openxmlformats.org/officeDocument/2006/relationships" xmlns:p="http://schemas.openxmlformats.org/presentationml/2006/main">
+  <p:cSld>
+    <p:spTree>
+      <p:nvGrpSpPr>
+        <p:cNvPr id="1" name=""/>
+        <p:cNvGrpSpPr/>
+        <p:nvPr/>
+      </p:nvGrpSpPr>
+      <p:grpSpPr/>
+      <p:sp>
+        <p:nvSpPr>
+          <p:cNvPr id="2" name="标题 1"/>
+          <p:cNvSpPr>
+            <a:spLocks noGrp="1"/>
+          </p:cNvSpPr>
+          <p:nvPr>
+            <p:ph type="title"/>
+          </p:nvPr>
+        </p:nvSpPr>
+        <p:spPr/>
+        <p:txBody>
+          <a:bodyPr/>
+          <a:p>
+            <a:r>
+              <a:rPr lang="en-US" altLang="zh-CN"/>
+              <a:t>C3D is Compact</a:t>
+            </a:r>
+            <a:endParaRPr lang="en-US" altLang="zh-CN"/>
+          </a:p>
+        </p:txBody>
+      </p:sp>
+      <p:sp>
+        <p:nvSpPr>
+          <p:cNvPr id="5" name="文本框 4"/>
+          <p:cNvSpPr txBox="1"/>
+          <p:nvPr/>
+        </p:nvSpPr>
+        <p:spPr>
+          <a:xfrm>
+            <a:off x="7254240" y="2829560"/>
+            <a:ext cx="4094480" cy="2306955"/>
+          </a:xfrm>
+          <a:prstGeom prst="rect">
+            <a:avLst/>
+          </a:prstGeom>
+          <a:noFill/>
+        </p:spPr>
+        <p:txBody>
+          <a:bodyPr wrap="square" rtlCol="0" anchor="t">
+            <a:spAutoFit/>
+          </a:bodyPr>
+          <a:p>
+            <a:r>
+              <a:rPr lang="zh-CN" altLang="en-US" sz="2400"/>
+              <a:t>从UCF101随机选择100K个片段，然后使用来自I</a:t>
+            </a:r>
+            <a:r>
+              <a:rPr lang="" altLang="zh-CN" sz="2400"/>
+              <a:t>I</a:t>
+            </a:r>
+            <a:r>
+              <a:rPr lang="zh-CN" altLang="en-US" sz="2400"/>
+              <a:t>magenet和C3D的特征来提取这些片段的fc6特征。 然后使用t-SNE将这些特征投影到二维空间。 </a:t>
+            </a:r>
+            <a:endParaRPr lang="zh-CN" altLang="en-US" sz="2400"/>
+          </a:p>
+        </p:txBody>
+      </p:sp>
+      <p:pic>
+        <p:nvPicPr>
+          <p:cNvPr id="6" name="内容占位符 5"/>
+          <p:cNvPicPr>
+            <a:picLocks noChangeAspect="1"/>
+          </p:cNvPicPr>
+          <p:nvPr>
+            <p:ph idx="1"/>
+          </p:nvPr>
+        </p:nvPicPr>
+        <p:blipFill>
+          <a:blip r:embed="rId1"/>
+          <a:stretch>
+            <a:fillRect/>
+          </a:stretch>
+        </p:blipFill>
+        <p:spPr>
+          <a:xfrm>
+            <a:off x="763270" y="1428115"/>
+            <a:ext cx="6669405" cy="4446270"/>
+          </a:xfrm>
+          <a:prstGeom prst="rect">
+            <a:avLst/>
+          </a:prstGeom>
+        </p:spPr>
+      </p:pic>
+    </p:spTree>
+  </p:cSld>
+  <p:clrMapOvr>
+    <a:masterClrMapping/>
+  </p:clrMapOvr>
+</p:sld>
+</file>
+
+<file path=ppt/slides/slide12.xml><?xml version="1.0" encoding="utf-8"?>
+<p:sld xmlns:a="http://schemas.openxmlformats.org/drawingml/2006/main" xmlns:r="http://schemas.openxmlformats.org/officeDocument/2006/relationships" xmlns:p="http://schemas.openxmlformats.org/presentationml/2006/main">
+  <p:cSld>
+    <p:spTree>
+      <p:nvGrpSpPr>
+        <p:cNvPr id="1" name=""/>
+        <p:cNvGrpSpPr/>
+        <p:nvPr/>
+      </p:nvGrpSpPr>
+      <p:grpSpPr/>
+      <p:sp>
+        <p:nvSpPr>
+          <p:cNvPr id="2" name="标题 1"/>
+          <p:cNvSpPr>
+            <a:spLocks noGrp="1"/>
+          </p:cNvSpPr>
+          <p:nvPr>
+            <p:ph type="title"/>
+          </p:nvPr>
+        </p:nvSpPr>
+        <p:spPr/>
+        <p:txBody>
+          <a:bodyPr/>
+          <a:p>
+            <a:r>
+              <a:rPr lang="zh-CN" altLang="en-US"/>
+              <a:t>Action recognition</a:t>
+            </a:r>
+            <a:endParaRPr lang="zh-CN" altLang="en-US"/>
+          </a:p>
+        </p:txBody>
+      </p:sp>
+      <p:sp>
+        <p:nvSpPr>
+          <p:cNvPr id="3" name="内容占位符 2"/>
+          <p:cNvSpPr>
+            <a:spLocks noGrp="1"/>
+          </p:cNvSpPr>
+          <p:nvPr>
+            <p:ph idx="1"/>
+          </p:nvPr>
+        </p:nvSpPr>
+        <p:spPr/>
+        <p:txBody>
+          <a:bodyPr/>
+          <a:p>
+            <a:r>
+              <a:rPr lang="" altLang="zh-CN"/>
+              <a:t>Dataset:ASLAN数据集由432个动作类的3,631个视频组成</a:t>
+            </a:r>
+            <a:endParaRPr lang="" altLang="zh-CN"/>
+          </a:p>
+          <a:p>
+            <a:r>
+              <a:rPr lang="" altLang="zh-CN"/>
+              <a:t>任务：预测给定的一对视频对象是否属于相同或不同的动作</a:t>
+            </a:r>
+            <a:endParaRPr lang="" altLang="zh-CN"/>
+          </a:p>
+          <a:p>
+            <a:r>
+              <a:rPr lang="" altLang="zh-CN"/>
+              <a:t>方法：将视频分为重叠8帧的16帧片段。 我们提取每个片段的C3D特征：prob，fc7，fc6，pool5。 通过分别平均每种特征类型的片段特征，然后进行L2归一化，来计算视频特征。</a:t>
+            </a:r>
+            <a:endParaRPr lang="" altLang="zh-CN"/>
+          </a:p>
+          <a:p>
+            <a:r>
+              <a:rPr lang="" altLang="zh-CN"/>
+              <a:t>给出一对视频，我们计算</a:t>
+            </a:r>
+            <a:r>
+              <a:rPr lang="" altLang="zh-CN">
+                <a:solidFill>
+                  <a:srgbClr val="FF0000"/>
+                </a:solidFill>
+              </a:rPr>
+              <a:t>12个不同的距离</a:t>
+            </a:r>
+            <a:r>
+              <a:rPr lang="" altLang="zh-CN"/>
+              <a:t>。 具有4种特征，我们从每对视频获得48维（12×4 = 48）特征向量。 由于这48个距离彼此无法比较，我们将它们独立地归一化，使得每个维度具有零平均值和单位方差。 最后，训练线性SVM以根据这48维特征向量将视频对归类为相同或不同的。</a:t>
+            </a:r>
+            <a:endParaRPr lang="" altLang="zh-CN"/>
+          </a:p>
+          <a:p>
+            <a:endParaRPr lang="" altLang="zh-CN"/>
+          </a:p>
+          <a:p>
+            <a:r>
+              <a:rPr lang="" altLang="zh-CN"/>
+              <a:t>The Action Similarity Labeling Challenge</a:t>
+            </a:r>
+            <a:endParaRPr lang="" altLang="zh-CN"/>
+          </a:p>
+        </p:txBody>
+      </p:sp>
+    </p:spTree>
+  </p:cSld>
+  <p:clrMapOvr>
+    <a:masterClrMapping/>
+  </p:clrMapOvr>
+</p:sld>
+</file>
+
+<file path=ppt/slides/slide13.xml><?xml version="1.0" encoding="utf-8"?>
+<p:sld xmlns:a="http://schemas.openxmlformats.org/drawingml/2006/main" xmlns:r="http://schemas.openxmlformats.org/officeDocument/2006/relationships" xmlns:p="http://schemas.openxmlformats.org/presentationml/2006/main">
+  <p:cSld>
+    <p:spTree>
+      <p:nvGrpSpPr>
+        <p:cNvPr id="1" name=""/>
+        <p:cNvGrpSpPr/>
+        <p:nvPr/>
+      </p:nvGrpSpPr>
+      <p:grpSpPr/>
+      <p:sp>
+        <p:nvSpPr>
+          <p:cNvPr id="2" name="标题 1"/>
+          <p:cNvSpPr>
+            <a:spLocks noGrp="1"/>
+          </p:cNvSpPr>
+          <p:nvPr>
+            <p:ph type="title"/>
+          </p:nvPr>
+        </p:nvSpPr>
+        <p:spPr/>
+        <p:txBody>
+          <a:bodyPr/>
+          <a:p>
+            <a:r>
+              <a:rPr lang="zh-CN" altLang="en-US"/>
+              <a:t>Action recognition</a:t>
+            </a:r>
+            <a:endParaRPr lang="zh-CN" altLang="en-US"/>
+          </a:p>
+        </p:txBody>
+      </p:sp>
+      <p:pic>
+        <p:nvPicPr>
+          <p:cNvPr id="7" name="内容占位符 4"/>
+          <p:cNvPicPr>
+            <a:picLocks noChangeAspect="1"/>
+          </p:cNvPicPr>
+          <p:nvPr>
+            <p:ph idx="1"/>
+          </p:nvPr>
+        </p:nvPicPr>
+        <p:blipFill>
+          <a:blip r:embed="rId1"/>
+          <a:stretch>
+            <a:fillRect/>
+          </a:stretch>
+        </p:blipFill>
+        <p:spPr>
+          <a:xfrm>
+            <a:off x="513715" y="1584325"/>
+            <a:ext cx="6112510" cy="4425315"/>
+          </a:xfrm>
+          <a:prstGeom prst="rect">
+            <a:avLst/>
+          </a:prstGeom>
+        </p:spPr>
+      </p:pic>
+      <p:sp>
+        <p:nvSpPr>
+          <p:cNvPr id="8" name="文本框 7"/>
+          <p:cNvSpPr txBox="1"/>
+          <p:nvPr/>
+        </p:nvSpPr>
+        <p:spPr>
+          <a:xfrm>
+            <a:off x="7566025" y="1438275"/>
+            <a:ext cx="4302760" cy="1198880"/>
+          </a:xfrm>
+          <a:prstGeom prst="rect">
+            <a:avLst/>
+          </a:prstGeom>
+          <a:noFill/>
+        </p:spPr>
+        <p:txBody>
+          <a:bodyPr wrap="square" rtlCol="0">
+            <a:spAutoFit/>
+          </a:bodyPr>
+          <a:p>
+            <a:r>
+              <a:rPr lang="" altLang="zh-CN"/>
+              <a:t>该图为ROC曲线图</a:t>
+            </a:r>
+            <a:endParaRPr lang="" altLang="zh-CN"/>
+          </a:p>
+          <a:p>
+            <a:r>
+              <a:rPr lang="" altLang="zh-CN"/>
+              <a:t>横轴为负正类率，纵轴为真正类率</a:t>
+            </a:r>
+            <a:endParaRPr lang="" altLang="zh-CN"/>
+          </a:p>
+          <a:p>
+            <a:r>
+              <a:rPr lang="" altLang="zh-CN"/>
+              <a:t>ROC曲线越靠拢(0,1)点，越偏离45度对角线越好</a:t>
+            </a:r>
+            <a:endParaRPr lang="" altLang="zh-CN"/>
+          </a:p>
+        </p:txBody>
+      </p:sp>
+    </p:spTree>
+  </p:cSld>
+  <p:clrMapOvr>
+    <a:masterClrMapping/>
+  </p:clrMapOvr>
+</p:sld>
+</file>
+
 <file path=ppt/slides/slide2.xml><?xml version="1.0" encoding="utf-8"?>
 <p:sld xmlns:a="http://schemas.openxmlformats.org/drawingml/2006/main" xmlns:r="http://schemas.openxmlformats.org/officeDocument/2006/relationships" xmlns:p="http://schemas.openxmlformats.org/presentationml/2006/main">
   <p:cSld>
@@ -3636,7 +4065,7 @@
               <a:t>3</a:t>
             </a:r>
             <a:r>
-              <a:rPr lang="" altLang="zh-CN"/>
+              <a:rPr lang="en-US" altLang="zh-CN"/>
               <a:t>*</a:t>
             </a:r>
             <a:r>
@@ -3644,7 +4073,7 @@
               <a:t>3</a:t>
             </a:r>
             <a:r>
-              <a:rPr lang="" altLang="zh-CN"/>
+              <a:rPr lang="en-US" altLang="zh-CN"/>
               <a:t>*</a:t>
             </a:r>
             <a:r>
@@ -3826,10 +4255,10 @@
           <a:bodyPr/>
           <a:p>
             <a:r>
-              <a:rPr lang="" altLang="zh-CN"/>
+              <a:rPr lang="en-US" altLang="zh-CN"/>
               <a:t>2D vs 3D</a:t>
             </a:r>
-            <a:endParaRPr lang="" altLang="zh-CN"/>
+            <a:endParaRPr lang="en-US" altLang="zh-CN"/>
           </a:p>
         </p:txBody>
       </p:sp>
@@ -4015,6 +4444,10 @@
         <p:txBody>
           <a:bodyPr/>
           <a:p>
+            <a:r>
+              <a:rPr lang="zh-CN" altLang="en-US"/>
+              <a:t>3D convolution kernel temporal depth search</a:t>
+            </a:r>
             <a:endParaRPr lang="zh-CN" altLang="en-US"/>
           </a:p>
         </p:txBody>
@@ -4037,14 +4470,334 @@
         </p:blipFill>
         <p:spPr>
           <a:xfrm>
-            <a:off x="647700" y="1805305"/>
-            <a:ext cx="7007225" cy="3950335"/>
+            <a:off x="647700" y="1345565"/>
+            <a:ext cx="6193790" cy="3491865"/>
           </a:xfrm>
           <a:prstGeom prst="rect">
             <a:avLst/>
           </a:prstGeom>
         </p:spPr>
       </p:pic>
+      <p:sp>
+        <p:nvSpPr>
+          <p:cNvPr id="5" name="文本框 4"/>
+          <p:cNvSpPr txBox="1"/>
+          <p:nvPr/>
+        </p:nvSpPr>
+        <p:spPr>
+          <a:xfrm>
+            <a:off x="7084695" y="1591310"/>
+            <a:ext cx="4735195" cy="3291840"/>
+          </a:xfrm>
+          <a:prstGeom prst="rect">
+            <a:avLst/>
+          </a:prstGeom>
+          <a:noFill/>
+        </p:spPr>
+        <p:txBody>
+          <a:bodyPr wrap="square" rtlCol="0">
+            <a:spAutoFit/>
+          </a:bodyPr>
+          <a:p>
+            <a:pPr fontAlgn="auto">
+              <a:spcBef>
+                <a:spcPts val="600"/>
+              </a:spcBef>
+              <a:spcAft>
+                <a:spcPts val="600"/>
+              </a:spcAft>
+            </a:pPr>
+            <a:r>
+              <a:rPr lang="en-US" altLang="zh-CN"/>
+              <a:t>左图：为探索3D卷积核时间深度的实验结果，设置了4种固定尺寸的3D卷积核，分别为1×3×3，3×3×3，5×3×3，7×3×3，实验表明 3×3×3尺寸的卷积核取得了最优的结果</a:t>
+            </a:r>
+            <a:endParaRPr lang="en-US" altLang="zh-CN"/>
+          </a:p>
+          <a:p>
+            <a:pPr fontAlgn="auto">
+              <a:spcBef>
+                <a:spcPts val="600"/>
+              </a:spcBef>
+              <a:spcAft>
+                <a:spcPts val="600"/>
+              </a:spcAft>
+            </a:pPr>
+            <a:r>
+              <a:rPr lang="en-US" altLang="zh-CN"/>
+              <a:t>右图：设置3种对比的网络结构，不同层的3D卷积核的时间深度分别为时间深度不变： 3−3−3−3−3，时间深度递增：3−3−5−5−7，时间深度递减：7−5−5−3−3。实验结果表明当卷积网络中所有的3D卷积核的时间深度一致，尺寸都为3×3×3时，得到的效果最好。</a:t>
+            </a:r>
+            <a:endParaRPr lang="en-US" altLang="zh-CN"/>
+          </a:p>
+        </p:txBody>
+      </p:sp>
+    </p:spTree>
+  </p:cSld>
+  <p:clrMapOvr>
+    <a:masterClrMapping/>
+  </p:clrMapOvr>
+</p:sld>
+</file>
+
+<file path=ppt/slides/slide7.xml><?xml version="1.0" encoding="utf-8"?>
+<p:sld xmlns:a="http://schemas.openxmlformats.org/drawingml/2006/main" xmlns:r="http://schemas.openxmlformats.org/officeDocument/2006/relationships" xmlns:p="http://schemas.openxmlformats.org/presentationml/2006/main">
+  <p:cSld>
+    <p:spTree>
+      <p:nvGrpSpPr>
+        <p:cNvPr id="1" name=""/>
+        <p:cNvGrpSpPr/>
+        <p:nvPr/>
+      </p:nvGrpSpPr>
+      <p:grpSpPr/>
+      <p:sp>
+        <p:nvSpPr>
+          <p:cNvPr id="2" name="标题 1"/>
+          <p:cNvSpPr>
+            <a:spLocks noGrp="1"/>
+          </p:cNvSpPr>
+          <p:nvPr>
+            <p:ph type="title"/>
+          </p:nvPr>
+        </p:nvSpPr>
+        <p:spPr/>
+        <p:txBody>
+          <a:bodyPr/>
+          <a:p>
+            <a:r>
+              <a:rPr lang="en-US" altLang="zh-CN"/>
+              <a:t>C3D Architecture</a:t>
+            </a:r>
+            <a:endParaRPr lang="en-US" altLang="zh-CN"/>
+          </a:p>
+        </p:txBody>
+      </p:sp>
+      <p:pic>
+        <p:nvPicPr>
+          <p:cNvPr id="5" name="内容占位符 4"/>
+          <p:cNvPicPr>
+            <a:picLocks noChangeAspect="1"/>
+          </p:cNvPicPr>
+          <p:nvPr>
+            <p:ph idx="1"/>
+          </p:nvPr>
+        </p:nvPicPr>
+        <p:blipFill>
+          <a:blip r:embed="rId1"/>
+          <a:stretch>
+            <a:fillRect/>
+          </a:stretch>
+        </p:blipFill>
+        <p:spPr>
+          <a:xfrm>
+            <a:off x="309880" y="1258570"/>
+            <a:ext cx="11572875" cy="2055495"/>
+          </a:xfrm>
+          <a:prstGeom prst="rect">
+            <a:avLst/>
+          </a:prstGeom>
+        </p:spPr>
+      </p:pic>
+      <p:sp>
+        <p:nvSpPr>
+          <p:cNvPr id="6" name="文本框 5"/>
+          <p:cNvSpPr txBox="1"/>
+          <p:nvPr/>
+        </p:nvSpPr>
+        <p:spPr>
+          <a:xfrm>
+            <a:off x="647700" y="3314065"/>
+            <a:ext cx="10827385" cy="1198880"/>
+          </a:xfrm>
+          <a:prstGeom prst="rect">
+            <a:avLst/>
+          </a:prstGeom>
+          <a:noFill/>
+        </p:spPr>
+        <p:txBody>
+          <a:bodyPr wrap="square" rtlCol="0" anchor="t">
+            <a:spAutoFit/>
+          </a:bodyPr>
+          <a:p>
+            <a:r>
+              <a:rPr lang="zh-CN" altLang="en-US"/>
+              <a:t>该网络包含8个卷积层，5个池化层，2个全连接层和1个softmax输出层。所有层的3D卷积核的尺寸为 3×3×3,步长为 1×1×1。第一层池化层的尺寸为 1×2×2，步长为 1×2×2，其余池化层的尺寸为 2×2×2，步长为 2×2×2。文章认为不那么过早地池化时间信息，可以在早期阶段保留更多的时间信息。网络的输入的视频长度为16帧，输入的视频帧尺寸为 112×112。</a:t>
+            </a:r>
+            <a:endParaRPr lang="zh-CN" altLang="en-US"/>
+          </a:p>
+        </p:txBody>
+      </p:sp>
+    </p:spTree>
+  </p:cSld>
+  <p:clrMapOvr>
+    <a:masterClrMapping/>
+  </p:clrMapOvr>
+</p:sld>
+</file>
+
+<file path=ppt/slides/slide8.xml><?xml version="1.0" encoding="utf-8"?>
+<p:sld xmlns:a="http://schemas.openxmlformats.org/drawingml/2006/main" xmlns:r="http://schemas.openxmlformats.org/officeDocument/2006/relationships" xmlns:p="http://schemas.openxmlformats.org/presentationml/2006/main">
+  <p:cSld>
+    <p:spTree>
+      <p:nvGrpSpPr>
+        <p:cNvPr id="1" name=""/>
+        <p:cNvGrpSpPr/>
+        <p:nvPr/>
+      </p:nvGrpSpPr>
+      <p:grpSpPr/>
+      <p:sp>
+        <p:nvSpPr>
+          <p:cNvPr id="2" name="标题 1"/>
+          <p:cNvSpPr>
+            <a:spLocks noGrp="1"/>
+          </p:cNvSpPr>
+          <p:nvPr>
+            <p:ph type="title"/>
+          </p:nvPr>
+        </p:nvSpPr>
+        <p:spPr/>
+        <p:txBody>
+          <a:bodyPr/>
+          <a:p>
+            <a:r>
+              <a:rPr lang="" altLang="zh-CN"/>
+              <a:t>Visulization of C3D model</a:t>
+            </a:r>
+            <a:endParaRPr lang="" altLang="zh-CN"/>
+          </a:p>
+        </p:txBody>
+      </p:sp>
+      <p:pic>
+        <p:nvPicPr>
+          <p:cNvPr id="4" name="内容占位符 3"/>
+          <p:cNvPicPr>
+            <a:picLocks noChangeAspect="1"/>
+          </p:cNvPicPr>
+          <p:nvPr>
+            <p:ph idx="1"/>
+          </p:nvPr>
+        </p:nvPicPr>
+        <p:blipFill>
+          <a:blip r:embed="rId1"/>
+          <a:stretch>
+            <a:fillRect/>
+          </a:stretch>
+        </p:blipFill>
+        <p:spPr>
+          <a:xfrm>
+            <a:off x="40005" y="1015365"/>
+            <a:ext cx="11607165" cy="3428365"/>
+          </a:xfrm>
+          <a:prstGeom prst="rect">
+            <a:avLst/>
+          </a:prstGeom>
+        </p:spPr>
+      </p:pic>
+      <p:sp>
+        <p:nvSpPr>
+          <p:cNvPr id="5" name="文本框 4"/>
+          <p:cNvSpPr txBox="1"/>
+          <p:nvPr/>
+        </p:nvSpPr>
+        <p:spPr>
+          <a:xfrm>
+            <a:off x="815340" y="4443730"/>
+            <a:ext cx="10101580" cy="645160"/>
+          </a:xfrm>
+          <a:prstGeom prst="rect">
+            <a:avLst/>
+          </a:prstGeom>
+          <a:noFill/>
+        </p:spPr>
+        <p:txBody>
+          <a:bodyPr wrap="square" rtlCol="0" anchor="t">
+            <a:spAutoFit/>
+          </a:bodyPr>
+          <a:p>
+            <a:r>
+              <a:rPr lang="zh-CN" altLang="en-US"/>
+              <a:t>在视频的前几帧，C3D主要关注的是视频帧中的显著性区域，在之后的几帧中会跟踪这些显著变化的区域。</a:t>
+            </a:r>
+            <a:endParaRPr lang="zh-CN" altLang="en-US"/>
+          </a:p>
+        </p:txBody>
+      </p:sp>
+    </p:spTree>
+  </p:cSld>
+  <p:clrMapOvr>
+    <a:masterClrMapping/>
+  </p:clrMapOvr>
+</p:sld>
+</file>
+
+<file path=ppt/slides/slide9.xml><?xml version="1.0" encoding="utf-8"?>
+<p:sld xmlns:a="http://schemas.openxmlformats.org/drawingml/2006/main" xmlns:r="http://schemas.openxmlformats.org/officeDocument/2006/relationships" xmlns:p="http://schemas.openxmlformats.org/presentationml/2006/main">
+  <p:cSld>
+    <p:spTree>
+      <p:nvGrpSpPr>
+        <p:cNvPr id="1" name=""/>
+        <p:cNvGrpSpPr/>
+        <p:nvPr/>
+      </p:nvGrpSpPr>
+      <p:grpSpPr/>
+      <p:sp>
+        <p:nvSpPr>
+          <p:cNvPr id="2" name="标题 1"/>
+          <p:cNvSpPr>
+            <a:spLocks noGrp="1"/>
+          </p:cNvSpPr>
+          <p:nvPr>
+            <p:ph type="title"/>
+          </p:nvPr>
+        </p:nvSpPr>
+        <p:spPr/>
+        <p:txBody>
+          <a:bodyPr/>
+          <a:p>
+            <a:r>
+              <a:rPr lang="zh-CN" altLang="en-US"/>
+              <a:t>C3D </a:t>
+            </a:r>
+            <a:r>
+              <a:rPr lang="en-US" altLang="zh-CN"/>
+              <a:t>V</a:t>
+            </a:r>
+            <a:r>
+              <a:rPr lang="zh-CN" altLang="en-US"/>
+              <a:t>ideo </a:t>
+            </a:r>
+            <a:r>
+              <a:rPr lang="en-US" altLang="zh-CN"/>
+              <a:t>D</a:t>
+            </a:r>
+            <a:r>
+              <a:rPr lang="zh-CN" altLang="en-US"/>
+              <a:t>escriptor</a:t>
+            </a:r>
+            <a:endParaRPr lang="zh-CN" altLang="en-US"/>
+          </a:p>
+        </p:txBody>
+      </p:sp>
+      <p:sp>
+        <p:nvSpPr>
+          <p:cNvPr id="3" name="内容占位符 2"/>
+          <p:cNvSpPr>
+            <a:spLocks noGrp="1"/>
+          </p:cNvSpPr>
+          <p:nvPr>
+            <p:ph idx="1"/>
+          </p:nvPr>
+        </p:nvSpPr>
+        <p:spPr/>
+        <p:txBody>
+          <a:bodyPr/>
+          <a:p>
+            <a:r>
+              <a:rPr lang="zh-CN" altLang="en-US"/>
+              <a:t>训练后，C3D可用作其他视频分析任务的特征提取器。 为了提取C3D特征，视频被分割成16帧长的片段，在两个连续片段之间具有8帧重叠。 这些片段被传递到C3D网络以提取fc6激活。 对这些片段fc6激活进行平均以形成4096维的视频描述符，然后接着做L2标准化。 </a:t>
+            </a:r>
+            <a:endParaRPr lang="zh-CN" altLang="en-US"/>
+          </a:p>
+        </p:txBody>
+      </p:sp>
     </p:spTree>
   </p:cSld>
   <p:clrMapOvr>
